--- a/figures/example.pptx
+++ b/figures/example.pptx
@@ -2,12 +2,12 @@
 <file path=ppt/presentation.xml><?xml version="1.0" encoding="utf-8"?>
 <p:presentation xmlns:a="http://schemas.openxmlformats.org/drawingml/2006/main" xmlns:r="http://schemas.openxmlformats.org/officeDocument/2006/relationships" xmlns:p="http://schemas.openxmlformats.org/presentationml/2006/main" saveSubsetFonts="1">
   <p:sldMasterIdLst>
-    <p:sldMasterId id="2147483696" r:id="rId1"/>
+    <p:sldMasterId id="2147483756" r:id="rId1"/>
   </p:sldMasterIdLst>
   <p:sldIdLst>
     <p:sldId id="257" r:id="rId2"/>
   </p:sldIdLst>
-  <p:sldSz cx="10439400" cy="1800225"/>
+  <p:sldSz cx="12960350" cy="2879725"/>
   <p:notesSz cx="6858000" cy="9144000"/>
   <p:defaultTextStyle>
     <a:defPPr>
@@ -104,6 +104,11 @@
       </a:defRPr>
     </a:lvl9pPr>
   </p:defaultTextStyle>
+  <p:extLst>
+    <p:ext uri="{EFAFB233-063F-42B5-8137-9DF3F51BA10A}">
+      <p15:sldGuideLst xmlns:p15="http://schemas.microsoft.com/office/powerpoint/2012/main"/>
+    </p:ext>
+  </p:extLst>
 </p:presentation>
 </file>
 
@@ -136,15 +141,15 @@
         </p:nvSpPr>
         <p:spPr>
           <a:xfrm>
-            <a:off x="1304925" y="294620"/>
-            <a:ext cx="7829550" cy="626745"/>
+            <a:off x="1620044" y="471289"/>
+            <a:ext cx="9720263" cy="1002571"/>
           </a:xfrm>
         </p:spPr>
         <p:txBody>
           <a:bodyPr anchor="b"/>
           <a:lstStyle>
             <a:lvl1pPr algn="ctr">
-              <a:defRPr sz="1575"/>
+              <a:defRPr sz="2519"/>
             </a:lvl1pPr>
           </a:lstStyle>
           <a:p>
@@ -168,8 +173,8 @@
         </p:nvSpPr>
         <p:spPr>
           <a:xfrm>
-            <a:off x="1304925" y="945535"/>
-            <a:ext cx="7829550" cy="434638"/>
+            <a:off x="1620044" y="1512522"/>
+            <a:ext cx="9720263" cy="695267"/>
           </a:xfrm>
         </p:spPr>
         <p:txBody>
@@ -177,39 +182,39 @@
           <a:lstStyle>
             <a:lvl1pPr marL="0" indent="0" algn="ctr">
               <a:buNone/>
-              <a:defRPr sz="630"/>
+              <a:defRPr sz="1008"/>
             </a:lvl1pPr>
-            <a:lvl2pPr marL="120015" indent="0" algn="ctr">
-              <a:buNone/>
-              <a:defRPr sz="525"/>
+            <a:lvl2pPr marL="191978" indent="0" algn="ctr">
+              <a:buNone/>
+              <a:defRPr sz="840"/>
             </a:lvl2pPr>
-            <a:lvl3pPr marL="240030" indent="0" algn="ctr">
-              <a:buNone/>
-              <a:defRPr sz="472"/>
+            <a:lvl3pPr marL="383957" indent="0" algn="ctr">
+              <a:buNone/>
+              <a:defRPr sz="756"/>
             </a:lvl3pPr>
-            <a:lvl4pPr marL="360045" indent="0" algn="ctr">
-              <a:buNone/>
-              <a:defRPr sz="420"/>
+            <a:lvl4pPr marL="575935" indent="0" algn="ctr">
+              <a:buNone/>
+              <a:defRPr sz="672"/>
             </a:lvl4pPr>
-            <a:lvl5pPr marL="480060" indent="0" algn="ctr">
-              <a:buNone/>
-              <a:defRPr sz="420"/>
+            <a:lvl5pPr marL="767913" indent="0" algn="ctr">
+              <a:buNone/>
+              <a:defRPr sz="672"/>
             </a:lvl5pPr>
-            <a:lvl6pPr marL="600075" indent="0" algn="ctr">
-              <a:buNone/>
-              <a:defRPr sz="420"/>
+            <a:lvl6pPr marL="959891" indent="0" algn="ctr">
+              <a:buNone/>
+              <a:defRPr sz="672"/>
             </a:lvl6pPr>
-            <a:lvl7pPr marL="720090" indent="0" algn="ctr">
-              <a:buNone/>
-              <a:defRPr sz="420"/>
+            <a:lvl7pPr marL="1151870" indent="0" algn="ctr">
+              <a:buNone/>
+              <a:defRPr sz="672"/>
             </a:lvl7pPr>
-            <a:lvl8pPr marL="840105" indent="0" algn="ctr">
-              <a:buNone/>
-              <a:defRPr sz="420"/>
+            <a:lvl8pPr marL="1343848" indent="0" algn="ctr">
+              <a:buNone/>
+              <a:defRPr sz="672"/>
             </a:lvl8pPr>
-            <a:lvl9pPr marL="960120" indent="0" algn="ctr">
-              <a:buNone/>
-              <a:defRPr sz="420"/>
+            <a:lvl9pPr marL="1535826" indent="0" algn="ctr">
+              <a:buNone/>
+              <a:defRPr sz="672"/>
             </a:lvl9pPr>
           </a:lstStyle>
           <a:p>
@@ -238,7 +243,7 @@
           <a:p>
             <a:fld id="{DC529FD0-D543-4911-8882-FE91F6663EBE}" type="datetimeFigureOut">
               <a:rPr lang="zh-CN" altLang="en-US" smtClean="0"/>
-              <a:t>2025/9/12</a:t>
+              <a:t>2025/9/14</a:t>
             </a:fld>
             <a:endParaRPr lang="zh-CN" altLang="en-US"/>
           </a:p>
@@ -289,7 +294,7 @@
     </p:spTree>
     <p:extLst>
       <p:ext uri="{BB962C8B-B14F-4D97-AF65-F5344CB8AC3E}">
-        <p14:creationId xmlns:p14="http://schemas.microsoft.com/office/powerpoint/2010/main" val="1097860388"/>
+        <p14:creationId xmlns:p14="http://schemas.microsoft.com/office/powerpoint/2010/main" val="990701756"/>
       </p:ext>
     </p:extLst>
   </p:cSld>
@@ -408,7 +413,7 @@
           <a:p>
             <a:fld id="{DC529FD0-D543-4911-8882-FE91F6663EBE}" type="datetimeFigureOut">
               <a:rPr lang="zh-CN" altLang="en-US" smtClean="0"/>
-              <a:t>2025/9/12</a:t>
+              <a:t>2025/9/14</a:t>
             </a:fld>
             <a:endParaRPr lang="zh-CN" altLang="en-US"/>
           </a:p>
@@ -459,7 +464,7 @@
     </p:spTree>
     <p:extLst>
       <p:ext uri="{BB962C8B-B14F-4D97-AF65-F5344CB8AC3E}">
-        <p14:creationId xmlns:p14="http://schemas.microsoft.com/office/powerpoint/2010/main" val="2682330850"/>
+        <p14:creationId xmlns:p14="http://schemas.microsoft.com/office/powerpoint/2010/main" val="2934070607"/>
       </p:ext>
     </p:extLst>
   </p:cSld>
@@ -498,8 +503,8 @@
         </p:nvSpPr>
         <p:spPr>
           <a:xfrm>
-            <a:off x="7470695" y="95846"/>
-            <a:ext cx="2250996" cy="1525607"/>
+            <a:off x="9274751" y="153319"/>
+            <a:ext cx="2794575" cy="2440434"/>
           </a:xfrm>
         </p:spPr>
         <p:txBody>
@@ -526,8 +531,8 @@
         </p:nvSpPr>
         <p:spPr>
           <a:xfrm>
-            <a:off x="717709" y="95846"/>
-            <a:ext cx="6622494" cy="1525607"/>
+            <a:off x="891024" y="153319"/>
+            <a:ext cx="8221722" cy="2440434"/>
           </a:xfrm>
         </p:spPr>
         <p:txBody>
@@ -588,7 +593,7 @@
           <a:p>
             <a:fld id="{DC529FD0-D543-4911-8882-FE91F6663EBE}" type="datetimeFigureOut">
               <a:rPr lang="zh-CN" altLang="en-US" smtClean="0"/>
-              <a:t>2025/9/12</a:t>
+              <a:t>2025/9/14</a:t>
             </a:fld>
             <a:endParaRPr lang="zh-CN" altLang="en-US"/>
           </a:p>
@@ -639,7 +644,7 @@
     </p:spTree>
     <p:extLst>
       <p:ext uri="{BB962C8B-B14F-4D97-AF65-F5344CB8AC3E}">
-        <p14:creationId xmlns:p14="http://schemas.microsoft.com/office/powerpoint/2010/main" val="2897099259"/>
+        <p14:creationId xmlns:p14="http://schemas.microsoft.com/office/powerpoint/2010/main" val="2980527964"/>
       </p:ext>
     </p:extLst>
   </p:cSld>
@@ -758,7 +763,7 @@
           <a:p>
             <a:fld id="{DC529FD0-D543-4911-8882-FE91F6663EBE}" type="datetimeFigureOut">
               <a:rPr lang="zh-CN" altLang="en-US" smtClean="0"/>
-              <a:t>2025/9/12</a:t>
+              <a:t>2025/9/14</a:t>
             </a:fld>
             <a:endParaRPr lang="zh-CN" altLang="en-US"/>
           </a:p>
@@ -809,7 +814,7 @@
     </p:spTree>
     <p:extLst>
       <p:ext uri="{BB962C8B-B14F-4D97-AF65-F5344CB8AC3E}">
-        <p14:creationId xmlns:p14="http://schemas.microsoft.com/office/powerpoint/2010/main" val="719850921"/>
+        <p14:creationId xmlns:p14="http://schemas.microsoft.com/office/powerpoint/2010/main" val="653508171"/>
       </p:ext>
     </p:extLst>
   </p:cSld>
@@ -848,15 +853,15 @@
         </p:nvSpPr>
         <p:spPr>
           <a:xfrm>
-            <a:off x="712271" y="448807"/>
-            <a:ext cx="9003983" cy="748843"/>
+            <a:off x="884274" y="717932"/>
+            <a:ext cx="11178302" cy="1197885"/>
           </a:xfrm>
         </p:spPr>
         <p:txBody>
           <a:bodyPr anchor="b"/>
           <a:lstStyle>
             <a:lvl1pPr>
-              <a:defRPr sz="1575"/>
+              <a:defRPr sz="2519"/>
             </a:lvl1pPr>
           </a:lstStyle>
           <a:p>
@@ -880,8 +885,8 @@
         </p:nvSpPr>
         <p:spPr>
           <a:xfrm>
-            <a:off x="712271" y="1204734"/>
-            <a:ext cx="9003983" cy="393799"/>
+            <a:off x="884274" y="1927150"/>
+            <a:ext cx="11178302" cy="629940"/>
           </a:xfrm>
         </p:spPr>
         <p:txBody>
@@ -889,7 +894,7 @@
           <a:lstStyle>
             <a:lvl1pPr marL="0" indent="0">
               <a:buNone/>
-              <a:defRPr sz="630">
+              <a:defRPr sz="1008">
                 <a:solidFill>
                   <a:schemeClr val="tx1">
                     <a:tint val="82000"/>
@@ -897,9 +902,9 @@
                 </a:solidFill>
               </a:defRPr>
             </a:lvl1pPr>
-            <a:lvl2pPr marL="120015" indent="0">
-              <a:buNone/>
-              <a:defRPr sz="525">
+            <a:lvl2pPr marL="191978" indent="0">
+              <a:buNone/>
+              <a:defRPr sz="840">
                 <a:solidFill>
                   <a:schemeClr val="tx1">
                     <a:tint val="82000"/>
@@ -907,9 +912,9 @@
                 </a:solidFill>
               </a:defRPr>
             </a:lvl2pPr>
-            <a:lvl3pPr marL="240030" indent="0">
-              <a:buNone/>
-              <a:defRPr sz="472">
+            <a:lvl3pPr marL="383957" indent="0">
+              <a:buNone/>
+              <a:defRPr sz="756">
                 <a:solidFill>
                   <a:schemeClr val="tx1">
                     <a:tint val="82000"/>
@@ -917,9 +922,9 @@
                 </a:solidFill>
               </a:defRPr>
             </a:lvl3pPr>
-            <a:lvl4pPr marL="360045" indent="0">
-              <a:buNone/>
-              <a:defRPr sz="420">
+            <a:lvl4pPr marL="575935" indent="0">
+              <a:buNone/>
+              <a:defRPr sz="672">
                 <a:solidFill>
                   <a:schemeClr val="tx1">
                     <a:tint val="82000"/>
@@ -927,9 +932,9 @@
                 </a:solidFill>
               </a:defRPr>
             </a:lvl4pPr>
-            <a:lvl5pPr marL="480060" indent="0">
-              <a:buNone/>
-              <a:defRPr sz="420">
+            <a:lvl5pPr marL="767913" indent="0">
+              <a:buNone/>
+              <a:defRPr sz="672">
                 <a:solidFill>
                   <a:schemeClr val="tx1">
                     <a:tint val="82000"/>
@@ -937,9 +942,9 @@
                 </a:solidFill>
               </a:defRPr>
             </a:lvl5pPr>
-            <a:lvl6pPr marL="600075" indent="0">
-              <a:buNone/>
-              <a:defRPr sz="420">
+            <a:lvl6pPr marL="959891" indent="0">
+              <a:buNone/>
+              <a:defRPr sz="672">
                 <a:solidFill>
                   <a:schemeClr val="tx1">
                     <a:tint val="82000"/>
@@ -947,9 +952,9 @@
                 </a:solidFill>
               </a:defRPr>
             </a:lvl6pPr>
-            <a:lvl7pPr marL="720090" indent="0">
-              <a:buNone/>
-              <a:defRPr sz="420">
+            <a:lvl7pPr marL="1151870" indent="0">
+              <a:buNone/>
+              <a:defRPr sz="672">
                 <a:solidFill>
                   <a:schemeClr val="tx1">
                     <a:tint val="82000"/>
@@ -957,9 +962,9 @@
                 </a:solidFill>
               </a:defRPr>
             </a:lvl7pPr>
-            <a:lvl8pPr marL="840105" indent="0">
-              <a:buNone/>
-              <a:defRPr sz="420">
+            <a:lvl8pPr marL="1343848" indent="0">
+              <a:buNone/>
+              <a:defRPr sz="672">
                 <a:solidFill>
                   <a:schemeClr val="tx1">
                     <a:tint val="82000"/>
@@ -967,9 +972,9 @@
                 </a:solidFill>
               </a:defRPr>
             </a:lvl8pPr>
-            <a:lvl9pPr marL="960120" indent="0">
-              <a:buNone/>
-              <a:defRPr sz="420">
+            <a:lvl9pPr marL="1535826" indent="0">
+              <a:buNone/>
+              <a:defRPr sz="672">
                 <a:solidFill>
                   <a:schemeClr val="tx1">
                     <a:tint val="82000"/>
@@ -1004,7 +1009,7 @@
           <a:p>
             <a:fld id="{DC529FD0-D543-4911-8882-FE91F6663EBE}" type="datetimeFigureOut">
               <a:rPr lang="zh-CN" altLang="en-US" smtClean="0"/>
-              <a:t>2025/9/12</a:t>
+              <a:t>2025/9/14</a:t>
             </a:fld>
             <a:endParaRPr lang="zh-CN" altLang="en-US"/>
           </a:p>
@@ -1055,7 +1060,7 @@
     </p:spTree>
     <p:extLst>
       <p:ext uri="{BB962C8B-B14F-4D97-AF65-F5344CB8AC3E}">
-        <p14:creationId xmlns:p14="http://schemas.microsoft.com/office/powerpoint/2010/main" val="2348967700"/>
+        <p14:creationId xmlns:p14="http://schemas.microsoft.com/office/powerpoint/2010/main" val="3379786083"/>
       </p:ext>
     </p:extLst>
   </p:cSld>
@@ -1117,8 +1122,8 @@
         </p:nvSpPr>
         <p:spPr>
           <a:xfrm>
-            <a:off x="717709" y="479227"/>
-            <a:ext cx="4436745" cy="1142226"/>
+            <a:off x="891024" y="766593"/>
+            <a:ext cx="5508149" cy="1827159"/>
           </a:xfrm>
         </p:spPr>
         <p:txBody>
@@ -1174,8 +1179,8 @@
         </p:nvSpPr>
         <p:spPr>
           <a:xfrm>
-            <a:off x="5284946" y="479227"/>
-            <a:ext cx="4436745" cy="1142226"/>
+            <a:off x="6561177" y="766593"/>
+            <a:ext cx="5508149" cy="1827159"/>
           </a:xfrm>
         </p:spPr>
         <p:txBody>
@@ -1236,7 +1241,7 @@
           <a:p>
             <a:fld id="{DC529FD0-D543-4911-8882-FE91F6663EBE}" type="datetimeFigureOut">
               <a:rPr lang="zh-CN" altLang="en-US" smtClean="0"/>
-              <a:t>2025/9/12</a:t>
+              <a:t>2025/9/14</a:t>
             </a:fld>
             <a:endParaRPr lang="zh-CN" altLang="en-US"/>
           </a:p>
@@ -1287,7 +1292,7 @@
     </p:spTree>
     <p:extLst>
       <p:ext uri="{BB962C8B-B14F-4D97-AF65-F5344CB8AC3E}">
-        <p14:creationId xmlns:p14="http://schemas.microsoft.com/office/powerpoint/2010/main" val="4014391464"/>
+        <p14:creationId xmlns:p14="http://schemas.microsoft.com/office/powerpoint/2010/main" val="3365653279"/>
       </p:ext>
     </p:extLst>
   </p:cSld>
@@ -1326,8 +1331,8 @@
         </p:nvSpPr>
         <p:spPr>
           <a:xfrm>
-            <a:off x="719068" y="95846"/>
-            <a:ext cx="9003983" cy="347960"/>
+            <a:off x="892712" y="153319"/>
+            <a:ext cx="11178302" cy="556614"/>
           </a:xfrm>
         </p:spPr>
         <p:txBody>
@@ -1354,8 +1359,8 @@
         </p:nvSpPr>
         <p:spPr>
           <a:xfrm>
-            <a:off x="719069" y="441305"/>
-            <a:ext cx="4416355" cy="216277"/>
+            <a:off x="892713" y="705933"/>
+            <a:ext cx="5482835" cy="345967"/>
           </a:xfrm>
         </p:spPr>
         <p:txBody>
@@ -1363,39 +1368,39 @@
           <a:lstStyle>
             <a:lvl1pPr marL="0" indent="0">
               <a:buNone/>
-              <a:defRPr sz="630" b="1"/>
+              <a:defRPr sz="1008" b="1"/>
             </a:lvl1pPr>
-            <a:lvl2pPr marL="120015" indent="0">
-              <a:buNone/>
-              <a:defRPr sz="525" b="1"/>
+            <a:lvl2pPr marL="191978" indent="0">
+              <a:buNone/>
+              <a:defRPr sz="840" b="1"/>
             </a:lvl2pPr>
-            <a:lvl3pPr marL="240030" indent="0">
-              <a:buNone/>
-              <a:defRPr sz="472" b="1"/>
+            <a:lvl3pPr marL="383957" indent="0">
+              <a:buNone/>
+              <a:defRPr sz="756" b="1"/>
             </a:lvl3pPr>
-            <a:lvl4pPr marL="360045" indent="0">
-              <a:buNone/>
-              <a:defRPr sz="420" b="1"/>
+            <a:lvl4pPr marL="575935" indent="0">
+              <a:buNone/>
+              <a:defRPr sz="672" b="1"/>
             </a:lvl4pPr>
-            <a:lvl5pPr marL="480060" indent="0">
-              <a:buNone/>
-              <a:defRPr sz="420" b="1"/>
+            <a:lvl5pPr marL="767913" indent="0">
+              <a:buNone/>
+              <a:defRPr sz="672" b="1"/>
             </a:lvl5pPr>
-            <a:lvl6pPr marL="600075" indent="0">
-              <a:buNone/>
-              <a:defRPr sz="420" b="1"/>
+            <a:lvl6pPr marL="959891" indent="0">
+              <a:buNone/>
+              <a:defRPr sz="672" b="1"/>
             </a:lvl6pPr>
-            <a:lvl7pPr marL="720090" indent="0">
-              <a:buNone/>
-              <a:defRPr sz="420" b="1"/>
+            <a:lvl7pPr marL="1151870" indent="0">
+              <a:buNone/>
+              <a:defRPr sz="672" b="1"/>
             </a:lvl7pPr>
-            <a:lvl8pPr marL="840105" indent="0">
-              <a:buNone/>
-              <a:defRPr sz="420" b="1"/>
+            <a:lvl8pPr marL="1343848" indent="0">
+              <a:buNone/>
+              <a:defRPr sz="672" b="1"/>
             </a:lvl8pPr>
-            <a:lvl9pPr marL="960120" indent="0">
-              <a:buNone/>
-              <a:defRPr sz="420" b="1"/>
+            <a:lvl9pPr marL="1535826" indent="0">
+              <a:buNone/>
+              <a:defRPr sz="672" b="1"/>
             </a:lvl9pPr>
           </a:lstStyle>
           <a:p>
@@ -1419,8 +1424,8 @@
         </p:nvSpPr>
         <p:spPr>
           <a:xfrm>
-            <a:off x="719069" y="657582"/>
-            <a:ext cx="4416355" cy="967204"/>
+            <a:off x="892713" y="1051899"/>
+            <a:ext cx="5482835" cy="1547186"/>
           </a:xfrm>
         </p:spPr>
         <p:txBody>
@@ -1476,8 +1481,8 @@
         </p:nvSpPr>
         <p:spPr>
           <a:xfrm>
-            <a:off x="5284946" y="441305"/>
-            <a:ext cx="4438105" cy="216277"/>
+            <a:off x="6561177" y="705933"/>
+            <a:ext cx="5509837" cy="345967"/>
           </a:xfrm>
         </p:spPr>
         <p:txBody>
@@ -1485,39 +1490,39 @@
           <a:lstStyle>
             <a:lvl1pPr marL="0" indent="0">
               <a:buNone/>
-              <a:defRPr sz="630" b="1"/>
+              <a:defRPr sz="1008" b="1"/>
             </a:lvl1pPr>
-            <a:lvl2pPr marL="120015" indent="0">
-              <a:buNone/>
-              <a:defRPr sz="525" b="1"/>
+            <a:lvl2pPr marL="191978" indent="0">
+              <a:buNone/>
+              <a:defRPr sz="840" b="1"/>
             </a:lvl2pPr>
-            <a:lvl3pPr marL="240030" indent="0">
-              <a:buNone/>
-              <a:defRPr sz="472" b="1"/>
+            <a:lvl3pPr marL="383957" indent="0">
+              <a:buNone/>
+              <a:defRPr sz="756" b="1"/>
             </a:lvl3pPr>
-            <a:lvl4pPr marL="360045" indent="0">
-              <a:buNone/>
-              <a:defRPr sz="420" b="1"/>
+            <a:lvl4pPr marL="575935" indent="0">
+              <a:buNone/>
+              <a:defRPr sz="672" b="1"/>
             </a:lvl4pPr>
-            <a:lvl5pPr marL="480060" indent="0">
-              <a:buNone/>
-              <a:defRPr sz="420" b="1"/>
+            <a:lvl5pPr marL="767913" indent="0">
+              <a:buNone/>
+              <a:defRPr sz="672" b="1"/>
             </a:lvl5pPr>
-            <a:lvl6pPr marL="600075" indent="0">
-              <a:buNone/>
-              <a:defRPr sz="420" b="1"/>
+            <a:lvl6pPr marL="959891" indent="0">
+              <a:buNone/>
+              <a:defRPr sz="672" b="1"/>
             </a:lvl6pPr>
-            <a:lvl7pPr marL="720090" indent="0">
-              <a:buNone/>
-              <a:defRPr sz="420" b="1"/>
+            <a:lvl7pPr marL="1151870" indent="0">
+              <a:buNone/>
+              <a:defRPr sz="672" b="1"/>
             </a:lvl7pPr>
-            <a:lvl8pPr marL="840105" indent="0">
-              <a:buNone/>
-              <a:defRPr sz="420" b="1"/>
+            <a:lvl8pPr marL="1343848" indent="0">
+              <a:buNone/>
+              <a:defRPr sz="672" b="1"/>
             </a:lvl8pPr>
-            <a:lvl9pPr marL="960120" indent="0">
-              <a:buNone/>
-              <a:defRPr sz="420" b="1"/>
+            <a:lvl9pPr marL="1535826" indent="0">
+              <a:buNone/>
+              <a:defRPr sz="672" b="1"/>
             </a:lvl9pPr>
           </a:lstStyle>
           <a:p>
@@ -1541,8 +1546,8 @@
         </p:nvSpPr>
         <p:spPr>
           <a:xfrm>
-            <a:off x="5284946" y="657582"/>
-            <a:ext cx="4438105" cy="967204"/>
+            <a:off x="6561177" y="1051899"/>
+            <a:ext cx="5509837" cy="1547186"/>
           </a:xfrm>
         </p:spPr>
         <p:txBody>
@@ -1603,7 +1608,7 @@
           <a:p>
             <a:fld id="{DC529FD0-D543-4911-8882-FE91F6663EBE}" type="datetimeFigureOut">
               <a:rPr lang="zh-CN" altLang="en-US" smtClean="0"/>
-              <a:t>2025/9/12</a:t>
+              <a:t>2025/9/14</a:t>
             </a:fld>
             <a:endParaRPr lang="zh-CN" altLang="en-US"/>
           </a:p>
@@ -1654,7 +1659,7 @@
     </p:spTree>
     <p:extLst>
       <p:ext uri="{BB962C8B-B14F-4D97-AF65-F5344CB8AC3E}">
-        <p14:creationId xmlns:p14="http://schemas.microsoft.com/office/powerpoint/2010/main" val="1027786398"/>
+        <p14:creationId xmlns:p14="http://schemas.microsoft.com/office/powerpoint/2010/main" val="2401045252"/>
       </p:ext>
     </p:extLst>
   </p:cSld>
@@ -1721,7 +1726,7 @@
           <a:p>
             <a:fld id="{DC529FD0-D543-4911-8882-FE91F6663EBE}" type="datetimeFigureOut">
               <a:rPr lang="zh-CN" altLang="en-US" smtClean="0"/>
-              <a:t>2025/9/12</a:t>
+              <a:t>2025/9/14</a:t>
             </a:fld>
             <a:endParaRPr lang="zh-CN" altLang="en-US"/>
           </a:p>
@@ -1772,7 +1777,7 @@
     </p:spTree>
     <p:extLst>
       <p:ext uri="{BB962C8B-B14F-4D97-AF65-F5344CB8AC3E}">
-        <p14:creationId xmlns:p14="http://schemas.microsoft.com/office/powerpoint/2010/main" val="3733192941"/>
+        <p14:creationId xmlns:p14="http://schemas.microsoft.com/office/powerpoint/2010/main" val="1422026940"/>
       </p:ext>
     </p:extLst>
   </p:cSld>
@@ -1816,7 +1821,7 @@
           <a:p>
             <a:fld id="{DC529FD0-D543-4911-8882-FE91F6663EBE}" type="datetimeFigureOut">
               <a:rPr lang="zh-CN" altLang="en-US" smtClean="0"/>
-              <a:t>2025/9/12</a:t>
+              <a:t>2025/9/14</a:t>
             </a:fld>
             <a:endParaRPr lang="zh-CN" altLang="en-US"/>
           </a:p>
@@ -1867,7 +1872,7 @@
     </p:spTree>
     <p:extLst>
       <p:ext uri="{BB962C8B-B14F-4D97-AF65-F5344CB8AC3E}">
-        <p14:creationId xmlns:p14="http://schemas.microsoft.com/office/powerpoint/2010/main" val="1123063792"/>
+        <p14:creationId xmlns:p14="http://schemas.microsoft.com/office/powerpoint/2010/main" val="594388095"/>
       </p:ext>
     </p:extLst>
   </p:cSld>
@@ -1906,15 +1911,15 @@
         </p:nvSpPr>
         <p:spPr>
           <a:xfrm>
-            <a:off x="719069" y="120015"/>
-            <a:ext cx="3366978" cy="420053"/>
+            <a:off x="892713" y="191982"/>
+            <a:ext cx="4180050" cy="671936"/>
           </a:xfrm>
         </p:spPr>
         <p:txBody>
           <a:bodyPr anchor="b"/>
           <a:lstStyle>
             <a:lvl1pPr>
-              <a:defRPr sz="840"/>
+              <a:defRPr sz="1344"/>
             </a:lvl1pPr>
           </a:lstStyle>
           <a:p>
@@ -1938,39 +1943,39 @@
         </p:nvSpPr>
         <p:spPr>
           <a:xfrm>
-            <a:off x="4438105" y="259199"/>
-            <a:ext cx="5284946" cy="1279327"/>
+            <a:off x="5509837" y="414627"/>
+            <a:ext cx="6561177" cy="2046471"/>
           </a:xfrm>
         </p:spPr>
         <p:txBody>
           <a:bodyPr/>
           <a:lstStyle>
             <a:lvl1pPr>
-              <a:defRPr sz="840"/>
+              <a:defRPr sz="1344"/>
             </a:lvl1pPr>
             <a:lvl2pPr>
-              <a:defRPr sz="735"/>
+              <a:defRPr sz="1176"/>
             </a:lvl2pPr>
             <a:lvl3pPr>
-              <a:defRPr sz="630"/>
+              <a:defRPr sz="1008"/>
             </a:lvl3pPr>
             <a:lvl4pPr>
-              <a:defRPr sz="525"/>
+              <a:defRPr sz="840"/>
             </a:lvl4pPr>
             <a:lvl5pPr>
-              <a:defRPr sz="525"/>
+              <a:defRPr sz="840"/>
             </a:lvl5pPr>
             <a:lvl6pPr>
-              <a:defRPr sz="525"/>
+              <a:defRPr sz="840"/>
             </a:lvl6pPr>
             <a:lvl7pPr>
-              <a:defRPr sz="525"/>
+              <a:defRPr sz="840"/>
             </a:lvl7pPr>
             <a:lvl8pPr>
-              <a:defRPr sz="525"/>
+              <a:defRPr sz="840"/>
             </a:lvl8pPr>
             <a:lvl9pPr>
-              <a:defRPr sz="525"/>
+              <a:defRPr sz="840"/>
             </a:lvl9pPr>
           </a:lstStyle>
           <a:p>
@@ -2023,8 +2028,8 @@
         </p:nvSpPr>
         <p:spPr>
           <a:xfrm>
-            <a:off x="719069" y="540067"/>
-            <a:ext cx="3366978" cy="1000542"/>
+            <a:off x="892713" y="863918"/>
+            <a:ext cx="4180050" cy="1600514"/>
           </a:xfrm>
         </p:spPr>
         <p:txBody>
@@ -2032,39 +2037,39 @@
           <a:lstStyle>
             <a:lvl1pPr marL="0" indent="0">
               <a:buNone/>
+              <a:defRPr sz="672"/>
+            </a:lvl1pPr>
+            <a:lvl2pPr marL="191978" indent="0">
+              <a:buNone/>
+              <a:defRPr sz="588"/>
+            </a:lvl2pPr>
+            <a:lvl3pPr marL="383957" indent="0">
+              <a:buNone/>
+              <a:defRPr sz="504"/>
+            </a:lvl3pPr>
+            <a:lvl4pPr marL="575935" indent="0">
+              <a:buNone/>
               <a:defRPr sz="420"/>
-            </a:lvl1pPr>
-            <a:lvl2pPr marL="120015" indent="0">
-              <a:buNone/>
-              <a:defRPr sz="368"/>
-            </a:lvl2pPr>
-            <a:lvl3pPr marL="240030" indent="0">
-              <a:buNone/>
-              <a:defRPr sz="315"/>
-            </a:lvl3pPr>
-            <a:lvl4pPr marL="360045" indent="0">
-              <a:buNone/>
-              <a:defRPr sz="263"/>
             </a:lvl4pPr>
-            <a:lvl5pPr marL="480060" indent="0">
-              <a:buNone/>
-              <a:defRPr sz="263"/>
+            <a:lvl5pPr marL="767913" indent="0">
+              <a:buNone/>
+              <a:defRPr sz="420"/>
             </a:lvl5pPr>
-            <a:lvl6pPr marL="600075" indent="0">
-              <a:buNone/>
-              <a:defRPr sz="263"/>
+            <a:lvl6pPr marL="959891" indent="0">
+              <a:buNone/>
+              <a:defRPr sz="420"/>
             </a:lvl6pPr>
-            <a:lvl7pPr marL="720090" indent="0">
-              <a:buNone/>
-              <a:defRPr sz="263"/>
+            <a:lvl7pPr marL="1151870" indent="0">
+              <a:buNone/>
+              <a:defRPr sz="420"/>
             </a:lvl7pPr>
-            <a:lvl8pPr marL="840105" indent="0">
-              <a:buNone/>
-              <a:defRPr sz="263"/>
+            <a:lvl8pPr marL="1343848" indent="0">
+              <a:buNone/>
+              <a:defRPr sz="420"/>
             </a:lvl8pPr>
-            <a:lvl9pPr marL="960120" indent="0">
-              <a:buNone/>
-              <a:defRPr sz="263"/>
+            <a:lvl9pPr marL="1535826" indent="0">
+              <a:buNone/>
+              <a:defRPr sz="420"/>
             </a:lvl9pPr>
           </a:lstStyle>
           <a:p>
@@ -2093,7 +2098,7 @@
           <a:p>
             <a:fld id="{DC529FD0-D543-4911-8882-FE91F6663EBE}" type="datetimeFigureOut">
               <a:rPr lang="zh-CN" altLang="en-US" smtClean="0"/>
-              <a:t>2025/9/12</a:t>
+              <a:t>2025/9/14</a:t>
             </a:fld>
             <a:endParaRPr lang="zh-CN" altLang="en-US"/>
           </a:p>
@@ -2144,7 +2149,7 @@
     </p:spTree>
     <p:extLst>
       <p:ext uri="{BB962C8B-B14F-4D97-AF65-F5344CB8AC3E}">
-        <p14:creationId xmlns:p14="http://schemas.microsoft.com/office/powerpoint/2010/main" val="2526015813"/>
+        <p14:creationId xmlns:p14="http://schemas.microsoft.com/office/powerpoint/2010/main" val="477238002"/>
       </p:ext>
     </p:extLst>
   </p:cSld>
@@ -2183,15 +2188,15 @@
         </p:nvSpPr>
         <p:spPr>
           <a:xfrm>
-            <a:off x="719069" y="120015"/>
-            <a:ext cx="3366978" cy="420053"/>
+            <a:off x="892713" y="191982"/>
+            <a:ext cx="4180050" cy="671936"/>
           </a:xfrm>
         </p:spPr>
         <p:txBody>
           <a:bodyPr anchor="b"/>
           <a:lstStyle>
             <a:lvl1pPr>
-              <a:defRPr sz="840"/>
+              <a:defRPr sz="1344"/>
             </a:lvl1pPr>
           </a:lstStyle>
           <a:p>
@@ -2215,8 +2220,8 @@
         </p:nvSpPr>
         <p:spPr>
           <a:xfrm>
-            <a:off x="4438105" y="259199"/>
-            <a:ext cx="5284946" cy="1279327"/>
+            <a:off x="5509837" y="414627"/>
+            <a:ext cx="6561177" cy="2046471"/>
           </a:xfrm>
         </p:spPr>
         <p:txBody>
@@ -2224,39 +2229,39 @@
           <a:lstStyle>
             <a:lvl1pPr marL="0" indent="0">
               <a:buNone/>
+              <a:defRPr sz="1344"/>
+            </a:lvl1pPr>
+            <a:lvl2pPr marL="191978" indent="0">
+              <a:buNone/>
+              <a:defRPr sz="1176"/>
+            </a:lvl2pPr>
+            <a:lvl3pPr marL="383957" indent="0">
+              <a:buNone/>
+              <a:defRPr sz="1008"/>
+            </a:lvl3pPr>
+            <a:lvl4pPr marL="575935" indent="0">
+              <a:buNone/>
               <a:defRPr sz="840"/>
-            </a:lvl1pPr>
-            <a:lvl2pPr marL="120015" indent="0">
-              <a:buNone/>
-              <a:defRPr sz="735"/>
-            </a:lvl2pPr>
-            <a:lvl3pPr marL="240030" indent="0">
-              <a:buNone/>
-              <a:defRPr sz="630"/>
-            </a:lvl3pPr>
-            <a:lvl4pPr marL="360045" indent="0">
-              <a:buNone/>
-              <a:defRPr sz="525"/>
             </a:lvl4pPr>
-            <a:lvl5pPr marL="480060" indent="0">
-              <a:buNone/>
-              <a:defRPr sz="525"/>
+            <a:lvl5pPr marL="767913" indent="0">
+              <a:buNone/>
+              <a:defRPr sz="840"/>
             </a:lvl5pPr>
-            <a:lvl6pPr marL="600075" indent="0">
-              <a:buNone/>
-              <a:defRPr sz="525"/>
+            <a:lvl6pPr marL="959891" indent="0">
+              <a:buNone/>
+              <a:defRPr sz="840"/>
             </a:lvl6pPr>
-            <a:lvl7pPr marL="720090" indent="0">
-              <a:buNone/>
-              <a:defRPr sz="525"/>
+            <a:lvl7pPr marL="1151870" indent="0">
+              <a:buNone/>
+              <a:defRPr sz="840"/>
             </a:lvl7pPr>
-            <a:lvl8pPr marL="840105" indent="0">
-              <a:buNone/>
-              <a:defRPr sz="525"/>
+            <a:lvl8pPr marL="1343848" indent="0">
+              <a:buNone/>
+              <a:defRPr sz="840"/>
             </a:lvl8pPr>
-            <a:lvl9pPr marL="960120" indent="0">
-              <a:buNone/>
-              <a:defRPr sz="525"/>
+            <a:lvl9pPr marL="1535826" indent="0">
+              <a:buNone/>
+              <a:defRPr sz="840"/>
             </a:lvl9pPr>
           </a:lstStyle>
           <a:p>
@@ -2280,8 +2285,8 @@
         </p:nvSpPr>
         <p:spPr>
           <a:xfrm>
-            <a:off x="719069" y="540067"/>
-            <a:ext cx="3366978" cy="1000542"/>
+            <a:off x="892713" y="863918"/>
+            <a:ext cx="4180050" cy="1600514"/>
           </a:xfrm>
         </p:spPr>
         <p:txBody>
@@ -2289,39 +2294,39 @@
           <a:lstStyle>
             <a:lvl1pPr marL="0" indent="0">
               <a:buNone/>
+              <a:defRPr sz="672"/>
+            </a:lvl1pPr>
+            <a:lvl2pPr marL="191978" indent="0">
+              <a:buNone/>
+              <a:defRPr sz="588"/>
+            </a:lvl2pPr>
+            <a:lvl3pPr marL="383957" indent="0">
+              <a:buNone/>
+              <a:defRPr sz="504"/>
+            </a:lvl3pPr>
+            <a:lvl4pPr marL="575935" indent="0">
+              <a:buNone/>
               <a:defRPr sz="420"/>
-            </a:lvl1pPr>
-            <a:lvl2pPr marL="120015" indent="0">
-              <a:buNone/>
-              <a:defRPr sz="368"/>
-            </a:lvl2pPr>
-            <a:lvl3pPr marL="240030" indent="0">
-              <a:buNone/>
-              <a:defRPr sz="315"/>
-            </a:lvl3pPr>
-            <a:lvl4pPr marL="360045" indent="0">
-              <a:buNone/>
-              <a:defRPr sz="263"/>
             </a:lvl4pPr>
-            <a:lvl5pPr marL="480060" indent="0">
-              <a:buNone/>
-              <a:defRPr sz="263"/>
+            <a:lvl5pPr marL="767913" indent="0">
+              <a:buNone/>
+              <a:defRPr sz="420"/>
             </a:lvl5pPr>
-            <a:lvl6pPr marL="600075" indent="0">
-              <a:buNone/>
-              <a:defRPr sz="263"/>
+            <a:lvl6pPr marL="959891" indent="0">
+              <a:buNone/>
+              <a:defRPr sz="420"/>
             </a:lvl6pPr>
-            <a:lvl7pPr marL="720090" indent="0">
-              <a:buNone/>
-              <a:defRPr sz="263"/>
+            <a:lvl7pPr marL="1151870" indent="0">
+              <a:buNone/>
+              <a:defRPr sz="420"/>
             </a:lvl7pPr>
-            <a:lvl8pPr marL="840105" indent="0">
-              <a:buNone/>
-              <a:defRPr sz="263"/>
+            <a:lvl8pPr marL="1343848" indent="0">
+              <a:buNone/>
+              <a:defRPr sz="420"/>
             </a:lvl8pPr>
-            <a:lvl9pPr marL="960120" indent="0">
-              <a:buNone/>
-              <a:defRPr sz="263"/>
+            <a:lvl9pPr marL="1535826" indent="0">
+              <a:buNone/>
+              <a:defRPr sz="420"/>
             </a:lvl9pPr>
           </a:lstStyle>
           <a:p>
@@ -2350,7 +2355,7 @@
           <a:p>
             <a:fld id="{DC529FD0-D543-4911-8882-FE91F6663EBE}" type="datetimeFigureOut">
               <a:rPr lang="zh-CN" altLang="en-US" smtClean="0"/>
-              <a:t>2025/9/12</a:t>
+              <a:t>2025/9/14</a:t>
             </a:fld>
             <a:endParaRPr lang="zh-CN" altLang="en-US"/>
           </a:p>
@@ -2401,7 +2406,7 @@
     </p:spTree>
     <p:extLst>
       <p:ext uri="{BB962C8B-B14F-4D97-AF65-F5344CB8AC3E}">
-        <p14:creationId xmlns:p14="http://schemas.microsoft.com/office/powerpoint/2010/main" val="3781046609"/>
+        <p14:creationId xmlns:p14="http://schemas.microsoft.com/office/powerpoint/2010/main" val="2732006953"/>
       </p:ext>
     </p:extLst>
   </p:cSld>
@@ -2445,8 +2450,8 @@
         </p:nvSpPr>
         <p:spPr>
           <a:xfrm>
-            <a:off x="717709" y="95846"/>
-            <a:ext cx="9003983" cy="347960"/>
+            <a:off x="891024" y="153319"/>
+            <a:ext cx="11178302" cy="556614"/>
           </a:xfrm>
           <a:prstGeom prst="rect">
             <a:avLst/>
@@ -2478,8 +2483,8 @@
         </p:nvSpPr>
         <p:spPr>
           <a:xfrm>
-            <a:off x="717709" y="479227"/>
-            <a:ext cx="9003983" cy="1142226"/>
+            <a:off x="891024" y="766593"/>
+            <a:ext cx="11178302" cy="1827159"/>
           </a:xfrm>
           <a:prstGeom prst="rect">
             <a:avLst/>
@@ -2540,8 +2545,8 @@
         </p:nvSpPr>
         <p:spPr>
           <a:xfrm>
-            <a:off x="717709" y="1668542"/>
-            <a:ext cx="2348865" cy="95845"/>
+            <a:off x="891024" y="2669079"/>
+            <a:ext cx="2916079" cy="153319"/>
           </a:xfrm>
           <a:prstGeom prst="rect">
             <a:avLst/>
@@ -2551,7 +2556,7 @@
           <a:bodyPr vert="horz" lIns="91440" tIns="45720" rIns="91440" bIns="45720" rtlCol="0" anchor="ctr"/>
           <a:lstStyle>
             <a:lvl1pPr algn="l">
-              <a:defRPr sz="315">
+              <a:defRPr sz="504">
                 <a:solidFill>
                   <a:schemeClr val="tx1">
                     <a:tint val="82000"/>
@@ -2563,7 +2568,7 @@
           <a:p>
             <a:fld id="{DC529FD0-D543-4911-8882-FE91F6663EBE}" type="datetimeFigureOut">
               <a:rPr lang="zh-CN" altLang="en-US" smtClean="0"/>
-              <a:t>2025/9/12</a:t>
+              <a:t>2025/9/14</a:t>
             </a:fld>
             <a:endParaRPr lang="zh-CN" altLang="en-US"/>
           </a:p>
@@ -2581,8 +2586,8 @@
         </p:nvSpPr>
         <p:spPr>
           <a:xfrm>
-            <a:off x="3458051" y="1668542"/>
-            <a:ext cx="3523298" cy="95845"/>
+            <a:off x="4293116" y="2669079"/>
+            <a:ext cx="4374118" cy="153319"/>
           </a:xfrm>
           <a:prstGeom prst="rect">
             <a:avLst/>
@@ -2592,7 +2597,7 @@
           <a:bodyPr vert="horz" lIns="91440" tIns="45720" rIns="91440" bIns="45720" rtlCol="0" anchor="ctr"/>
           <a:lstStyle>
             <a:lvl1pPr algn="ctr">
-              <a:defRPr sz="315">
+              <a:defRPr sz="504">
                 <a:solidFill>
                   <a:schemeClr val="tx1">
                     <a:tint val="82000"/>
@@ -2618,8 +2623,8 @@
         </p:nvSpPr>
         <p:spPr>
           <a:xfrm>
-            <a:off x="7372826" y="1668542"/>
-            <a:ext cx="2348865" cy="95845"/>
+            <a:off x="9153247" y="2669079"/>
+            <a:ext cx="2916079" cy="153319"/>
           </a:xfrm>
           <a:prstGeom prst="rect">
             <a:avLst/>
@@ -2629,7 +2634,7 @@
           <a:bodyPr vert="horz" lIns="91440" tIns="45720" rIns="91440" bIns="45720" rtlCol="0" anchor="ctr"/>
           <a:lstStyle>
             <a:lvl1pPr algn="r">
-              <a:defRPr sz="315">
+              <a:defRPr sz="504">
                 <a:solidFill>
                   <a:schemeClr val="tx1">
                     <a:tint val="82000"/>
@@ -2650,27 +2655,27 @@
     </p:spTree>
     <p:extLst>
       <p:ext uri="{BB962C8B-B14F-4D97-AF65-F5344CB8AC3E}">
-        <p14:creationId xmlns:p14="http://schemas.microsoft.com/office/powerpoint/2010/main" val="1598979636"/>
+        <p14:creationId xmlns:p14="http://schemas.microsoft.com/office/powerpoint/2010/main" val="1515996962"/>
       </p:ext>
     </p:extLst>
   </p:cSld>
   <p:clrMap bg1="lt1" tx1="dk1" bg2="lt2" tx2="dk2" accent1="accent1" accent2="accent2" accent3="accent3" accent4="accent4" accent5="accent5" accent6="accent6" hlink="hlink" folHlink="folHlink"/>
   <p:sldLayoutIdLst>
-    <p:sldLayoutId id="2147483697" r:id="rId1"/>
-    <p:sldLayoutId id="2147483698" r:id="rId2"/>
-    <p:sldLayoutId id="2147483699" r:id="rId3"/>
-    <p:sldLayoutId id="2147483700" r:id="rId4"/>
-    <p:sldLayoutId id="2147483701" r:id="rId5"/>
-    <p:sldLayoutId id="2147483702" r:id="rId6"/>
-    <p:sldLayoutId id="2147483703" r:id="rId7"/>
-    <p:sldLayoutId id="2147483704" r:id="rId8"/>
-    <p:sldLayoutId id="2147483705" r:id="rId9"/>
-    <p:sldLayoutId id="2147483706" r:id="rId10"/>
-    <p:sldLayoutId id="2147483707" r:id="rId11"/>
+    <p:sldLayoutId id="2147483757" r:id="rId1"/>
+    <p:sldLayoutId id="2147483758" r:id="rId2"/>
+    <p:sldLayoutId id="2147483759" r:id="rId3"/>
+    <p:sldLayoutId id="2147483760" r:id="rId4"/>
+    <p:sldLayoutId id="2147483761" r:id="rId5"/>
+    <p:sldLayoutId id="2147483762" r:id="rId6"/>
+    <p:sldLayoutId id="2147483763" r:id="rId7"/>
+    <p:sldLayoutId id="2147483764" r:id="rId8"/>
+    <p:sldLayoutId id="2147483765" r:id="rId9"/>
+    <p:sldLayoutId id="2147483766" r:id="rId10"/>
+    <p:sldLayoutId id="2147483767" r:id="rId11"/>
   </p:sldLayoutIdLst>
   <p:txStyles>
     <p:titleStyle>
-      <a:lvl1pPr algn="l" defTabSz="240030" rtl="0" eaLnBrk="1" latinLnBrk="0" hangingPunct="1">
+      <a:lvl1pPr algn="l" defTabSz="383957" rtl="0" eaLnBrk="1" latinLnBrk="0" hangingPunct="1">
         <a:lnSpc>
           <a:spcPct val="90000"/>
         </a:lnSpc>
@@ -2678,7 +2683,7 @@
           <a:spcPct val="0"/>
         </a:spcBef>
         <a:buNone/>
-        <a:defRPr sz="1155" kern="1200">
+        <a:defRPr sz="1848" kern="1200">
           <a:solidFill>
             <a:schemeClr val="tx1"/>
           </a:solidFill>
@@ -2689,16 +2694,16 @@
       </a:lvl1pPr>
     </p:titleStyle>
     <p:bodyStyle>
-      <a:lvl1pPr marL="60008" indent="-60008" algn="l" defTabSz="240030" rtl="0" eaLnBrk="1" latinLnBrk="0" hangingPunct="1">
+      <a:lvl1pPr marL="95989" indent="-95989" algn="l" defTabSz="383957" rtl="0" eaLnBrk="1" latinLnBrk="0" hangingPunct="1">
         <a:lnSpc>
           <a:spcPct val="90000"/>
         </a:lnSpc>
         <a:spcBef>
-          <a:spcPts val="263"/>
+          <a:spcPts val="420"/>
         </a:spcBef>
         <a:buFont typeface="Arial" panose="020B0604020202020204" pitchFamily="34" charset="0"/>
         <a:buChar char="•"/>
-        <a:defRPr sz="735" kern="1200">
+        <a:defRPr sz="1176" kern="1200">
           <a:solidFill>
             <a:schemeClr val="tx1"/>
           </a:solidFill>
@@ -2707,16 +2712,16 @@
           <a:cs typeface="+mn-cs"/>
         </a:defRPr>
       </a:lvl1pPr>
-      <a:lvl2pPr marL="180023" indent="-60008" algn="l" defTabSz="240030" rtl="0" eaLnBrk="1" latinLnBrk="0" hangingPunct="1">
+      <a:lvl2pPr marL="287967" indent="-95989" algn="l" defTabSz="383957" rtl="0" eaLnBrk="1" latinLnBrk="0" hangingPunct="1">
         <a:lnSpc>
           <a:spcPct val="90000"/>
         </a:lnSpc>
         <a:spcBef>
-          <a:spcPts val="131"/>
+          <a:spcPts val="210"/>
         </a:spcBef>
         <a:buFont typeface="Arial" panose="020B0604020202020204" pitchFamily="34" charset="0"/>
         <a:buChar char="•"/>
-        <a:defRPr sz="630" kern="1200">
+        <a:defRPr sz="1008" kern="1200">
           <a:solidFill>
             <a:schemeClr val="tx1"/>
           </a:solidFill>
@@ -2725,16 +2730,16 @@
           <a:cs typeface="+mn-cs"/>
         </a:defRPr>
       </a:lvl2pPr>
-      <a:lvl3pPr marL="300038" indent="-60008" algn="l" defTabSz="240030" rtl="0" eaLnBrk="1" latinLnBrk="0" hangingPunct="1">
+      <a:lvl3pPr marL="479946" indent="-95989" algn="l" defTabSz="383957" rtl="0" eaLnBrk="1" latinLnBrk="0" hangingPunct="1">
         <a:lnSpc>
           <a:spcPct val="90000"/>
         </a:lnSpc>
         <a:spcBef>
-          <a:spcPts val="131"/>
+          <a:spcPts val="210"/>
         </a:spcBef>
         <a:buFont typeface="Arial" panose="020B0604020202020204" pitchFamily="34" charset="0"/>
         <a:buChar char="•"/>
-        <a:defRPr sz="525" kern="1200">
+        <a:defRPr sz="840" kern="1200">
           <a:solidFill>
             <a:schemeClr val="tx1"/>
           </a:solidFill>
@@ -2743,16 +2748,16 @@
           <a:cs typeface="+mn-cs"/>
         </a:defRPr>
       </a:lvl3pPr>
-      <a:lvl4pPr marL="420053" indent="-60008" algn="l" defTabSz="240030" rtl="0" eaLnBrk="1" latinLnBrk="0" hangingPunct="1">
+      <a:lvl4pPr marL="671924" indent="-95989" algn="l" defTabSz="383957" rtl="0" eaLnBrk="1" latinLnBrk="0" hangingPunct="1">
         <a:lnSpc>
           <a:spcPct val="90000"/>
         </a:lnSpc>
         <a:spcBef>
-          <a:spcPts val="131"/>
+          <a:spcPts val="210"/>
         </a:spcBef>
         <a:buFont typeface="Arial" panose="020B0604020202020204" pitchFamily="34" charset="0"/>
         <a:buChar char="•"/>
-        <a:defRPr sz="472" kern="1200">
+        <a:defRPr sz="756" kern="1200">
           <a:solidFill>
             <a:schemeClr val="tx1"/>
           </a:solidFill>
@@ -2761,16 +2766,16 @@
           <a:cs typeface="+mn-cs"/>
         </a:defRPr>
       </a:lvl4pPr>
-      <a:lvl5pPr marL="540068" indent="-60008" algn="l" defTabSz="240030" rtl="0" eaLnBrk="1" latinLnBrk="0" hangingPunct="1">
+      <a:lvl5pPr marL="863902" indent="-95989" algn="l" defTabSz="383957" rtl="0" eaLnBrk="1" latinLnBrk="0" hangingPunct="1">
         <a:lnSpc>
           <a:spcPct val="90000"/>
         </a:lnSpc>
         <a:spcBef>
-          <a:spcPts val="131"/>
+          <a:spcPts val="210"/>
         </a:spcBef>
         <a:buFont typeface="Arial" panose="020B0604020202020204" pitchFamily="34" charset="0"/>
         <a:buChar char="•"/>
-        <a:defRPr sz="472" kern="1200">
+        <a:defRPr sz="756" kern="1200">
           <a:solidFill>
             <a:schemeClr val="tx1"/>
           </a:solidFill>
@@ -2779,16 +2784,16 @@
           <a:cs typeface="+mn-cs"/>
         </a:defRPr>
       </a:lvl5pPr>
-      <a:lvl6pPr marL="660083" indent="-60008" algn="l" defTabSz="240030" rtl="0" eaLnBrk="1" latinLnBrk="0" hangingPunct="1">
+      <a:lvl6pPr marL="1055881" indent="-95989" algn="l" defTabSz="383957" rtl="0" eaLnBrk="1" latinLnBrk="0" hangingPunct="1">
         <a:lnSpc>
           <a:spcPct val="90000"/>
         </a:lnSpc>
         <a:spcBef>
-          <a:spcPts val="131"/>
+          <a:spcPts val="210"/>
         </a:spcBef>
         <a:buFont typeface="Arial" panose="020B0604020202020204" pitchFamily="34" charset="0"/>
         <a:buChar char="•"/>
-        <a:defRPr sz="472" kern="1200">
+        <a:defRPr sz="756" kern="1200">
           <a:solidFill>
             <a:schemeClr val="tx1"/>
           </a:solidFill>
@@ -2797,16 +2802,16 @@
           <a:cs typeface="+mn-cs"/>
         </a:defRPr>
       </a:lvl6pPr>
-      <a:lvl7pPr marL="780098" indent="-60008" algn="l" defTabSz="240030" rtl="0" eaLnBrk="1" latinLnBrk="0" hangingPunct="1">
+      <a:lvl7pPr marL="1247859" indent="-95989" algn="l" defTabSz="383957" rtl="0" eaLnBrk="1" latinLnBrk="0" hangingPunct="1">
         <a:lnSpc>
           <a:spcPct val="90000"/>
         </a:lnSpc>
         <a:spcBef>
-          <a:spcPts val="131"/>
+          <a:spcPts val="210"/>
         </a:spcBef>
         <a:buFont typeface="Arial" panose="020B0604020202020204" pitchFamily="34" charset="0"/>
         <a:buChar char="•"/>
-        <a:defRPr sz="472" kern="1200">
+        <a:defRPr sz="756" kern="1200">
           <a:solidFill>
             <a:schemeClr val="tx1"/>
           </a:solidFill>
@@ -2815,16 +2820,16 @@
           <a:cs typeface="+mn-cs"/>
         </a:defRPr>
       </a:lvl7pPr>
-      <a:lvl8pPr marL="900113" indent="-60008" algn="l" defTabSz="240030" rtl="0" eaLnBrk="1" latinLnBrk="0" hangingPunct="1">
+      <a:lvl8pPr marL="1439837" indent="-95989" algn="l" defTabSz="383957" rtl="0" eaLnBrk="1" latinLnBrk="0" hangingPunct="1">
         <a:lnSpc>
           <a:spcPct val="90000"/>
         </a:lnSpc>
         <a:spcBef>
-          <a:spcPts val="131"/>
+          <a:spcPts val="210"/>
         </a:spcBef>
         <a:buFont typeface="Arial" panose="020B0604020202020204" pitchFamily="34" charset="0"/>
         <a:buChar char="•"/>
-        <a:defRPr sz="472" kern="1200">
+        <a:defRPr sz="756" kern="1200">
           <a:solidFill>
             <a:schemeClr val="tx1"/>
           </a:solidFill>
@@ -2833,16 +2838,16 @@
           <a:cs typeface="+mn-cs"/>
         </a:defRPr>
       </a:lvl8pPr>
-      <a:lvl9pPr marL="1020128" indent="-60008" algn="l" defTabSz="240030" rtl="0" eaLnBrk="1" latinLnBrk="0" hangingPunct="1">
+      <a:lvl9pPr marL="1631815" indent="-95989" algn="l" defTabSz="383957" rtl="0" eaLnBrk="1" latinLnBrk="0" hangingPunct="1">
         <a:lnSpc>
           <a:spcPct val="90000"/>
         </a:lnSpc>
         <a:spcBef>
-          <a:spcPts val="131"/>
+          <a:spcPts val="210"/>
         </a:spcBef>
         <a:buFont typeface="Arial" panose="020B0604020202020204" pitchFamily="34" charset="0"/>
         <a:buChar char="•"/>
-        <a:defRPr sz="472" kern="1200">
+        <a:defRPr sz="756" kern="1200">
           <a:solidFill>
             <a:schemeClr val="tx1"/>
           </a:solidFill>
@@ -2856,8 +2861,8 @@
       <a:defPPr>
         <a:defRPr lang="en-US"/>
       </a:defPPr>
-      <a:lvl1pPr marL="0" algn="l" defTabSz="240030" rtl="0" eaLnBrk="1" latinLnBrk="0" hangingPunct="1">
-        <a:defRPr sz="472" kern="1200">
+      <a:lvl1pPr marL="0" algn="l" defTabSz="383957" rtl="0" eaLnBrk="1" latinLnBrk="0" hangingPunct="1">
+        <a:defRPr sz="756" kern="1200">
           <a:solidFill>
             <a:schemeClr val="tx1"/>
           </a:solidFill>
@@ -2866,8 +2871,8 @@
           <a:cs typeface="+mn-cs"/>
         </a:defRPr>
       </a:lvl1pPr>
-      <a:lvl2pPr marL="120015" algn="l" defTabSz="240030" rtl="0" eaLnBrk="1" latinLnBrk="0" hangingPunct="1">
-        <a:defRPr sz="472" kern="1200">
+      <a:lvl2pPr marL="191978" algn="l" defTabSz="383957" rtl="0" eaLnBrk="1" latinLnBrk="0" hangingPunct="1">
+        <a:defRPr sz="756" kern="1200">
           <a:solidFill>
             <a:schemeClr val="tx1"/>
           </a:solidFill>
@@ -2876,8 +2881,8 @@
           <a:cs typeface="+mn-cs"/>
         </a:defRPr>
       </a:lvl2pPr>
-      <a:lvl3pPr marL="240030" algn="l" defTabSz="240030" rtl="0" eaLnBrk="1" latinLnBrk="0" hangingPunct="1">
-        <a:defRPr sz="472" kern="1200">
+      <a:lvl3pPr marL="383957" algn="l" defTabSz="383957" rtl="0" eaLnBrk="1" latinLnBrk="0" hangingPunct="1">
+        <a:defRPr sz="756" kern="1200">
           <a:solidFill>
             <a:schemeClr val="tx1"/>
           </a:solidFill>
@@ -2886,8 +2891,8 @@
           <a:cs typeface="+mn-cs"/>
         </a:defRPr>
       </a:lvl3pPr>
-      <a:lvl4pPr marL="360045" algn="l" defTabSz="240030" rtl="0" eaLnBrk="1" latinLnBrk="0" hangingPunct="1">
-        <a:defRPr sz="472" kern="1200">
+      <a:lvl4pPr marL="575935" algn="l" defTabSz="383957" rtl="0" eaLnBrk="1" latinLnBrk="0" hangingPunct="1">
+        <a:defRPr sz="756" kern="1200">
           <a:solidFill>
             <a:schemeClr val="tx1"/>
           </a:solidFill>
@@ -2896,8 +2901,8 @@
           <a:cs typeface="+mn-cs"/>
         </a:defRPr>
       </a:lvl4pPr>
-      <a:lvl5pPr marL="480060" algn="l" defTabSz="240030" rtl="0" eaLnBrk="1" latinLnBrk="0" hangingPunct="1">
-        <a:defRPr sz="472" kern="1200">
+      <a:lvl5pPr marL="767913" algn="l" defTabSz="383957" rtl="0" eaLnBrk="1" latinLnBrk="0" hangingPunct="1">
+        <a:defRPr sz="756" kern="1200">
           <a:solidFill>
             <a:schemeClr val="tx1"/>
           </a:solidFill>
@@ -2906,8 +2911,8 @@
           <a:cs typeface="+mn-cs"/>
         </a:defRPr>
       </a:lvl5pPr>
-      <a:lvl6pPr marL="600075" algn="l" defTabSz="240030" rtl="0" eaLnBrk="1" latinLnBrk="0" hangingPunct="1">
-        <a:defRPr sz="472" kern="1200">
+      <a:lvl6pPr marL="959891" algn="l" defTabSz="383957" rtl="0" eaLnBrk="1" latinLnBrk="0" hangingPunct="1">
+        <a:defRPr sz="756" kern="1200">
           <a:solidFill>
             <a:schemeClr val="tx1"/>
           </a:solidFill>
@@ -2916,8 +2921,8 @@
           <a:cs typeface="+mn-cs"/>
         </a:defRPr>
       </a:lvl6pPr>
-      <a:lvl7pPr marL="720090" algn="l" defTabSz="240030" rtl="0" eaLnBrk="1" latinLnBrk="0" hangingPunct="1">
-        <a:defRPr sz="472" kern="1200">
+      <a:lvl7pPr marL="1151870" algn="l" defTabSz="383957" rtl="0" eaLnBrk="1" latinLnBrk="0" hangingPunct="1">
+        <a:defRPr sz="756" kern="1200">
           <a:solidFill>
             <a:schemeClr val="tx1"/>
           </a:solidFill>
@@ -2926,8 +2931,8 @@
           <a:cs typeface="+mn-cs"/>
         </a:defRPr>
       </a:lvl7pPr>
-      <a:lvl8pPr marL="840105" algn="l" defTabSz="240030" rtl="0" eaLnBrk="1" latinLnBrk="0" hangingPunct="1">
-        <a:defRPr sz="472" kern="1200">
+      <a:lvl8pPr marL="1343848" algn="l" defTabSz="383957" rtl="0" eaLnBrk="1" latinLnBrk="0" hangingPunct="1">
+        <a:defRPr sz="756" kern="1200">
           <a:solidFill>
             <a:schemeClr val="tx1"/>
           </a:solidFill>
@@ -2936,8 +2941,8 @@
           <a:cs typeface="+mn-cs"/>
         </a:defRPr>
       </a:lvl8pPr>
-      <a:lvl9pPr marL="960120" algn="l" defTabSz="240030" rtl="0" eaLnBrk="1" latinLnBrk="0" hangingPunct="1">
-        <a:defRPr sz="472" kern="1200">
+      <a:lvl9pPr marL="1535826" algn="l" defTabSz="383957" rtl="0" eaLnBrk="1" latinLnBrk="0" hangingPunct="1">
+        <a:defRPr sz="756" kern="1200">
           <a:solidFill>
             <a:schemeClr val="tx1"/>
           </a:solidFill>
@@ -2970,10 +2975,10 @@
       </p:grpSpPr>
       <p:grpSp>
         <p:nvGrpSpPr>
-          <p:cNvPr id="20" name="Group 19">
+          <p:cNvPr id="34" name="Group 33">
             <a:extLst>
               <a:ext uri="{FF2B5EF4-FFF2-40B4-BE49-F238E27FC236}">
-                <a16:creationId xmlns:a16="http://schemas.microsoft.com/office/drawing/2014/main" id="{B3BFFFC6-CDF5-D3FA-1D1F-89226D135A61}"/>
+                <a16:creationId xmlns:a16="http://schemas.microsoft.com/office/drawing/2014/main" id="{CD71D3D4-C8F5-7D7E-1AF4-5F01495EB585}"/>
               </a:ext>
             </a:extLst>
           </p:cNvPr>
@@ -2982,10 +2987,10 @@
         </p:nvGrpSpPr>
         <p:grpSpPr>
           <a:xfrm>
-            <a:off x="188955" y="134061"/>
-            <a:ext cx="10061499" cy="1532111"/>
-            <a:chOff x="349326" y="359601"/>
-            <a:chExt cx="10061499" cy="1532111"/>
+            <a:off x="65836" y="96837"/>
+            <a:ext cx="12828678" cy="2686050"/>
+            <a:chOff x="76780" y="-476250"/>
+            <a:chExt cx="12828678" cy="2686050"/>
           </a:xfrm>
         </p:grpSpPr>
         <p:grpSp>
@@ -3002,7 +3007,7 @@
           </p:nvGrpSpPr>
           <p:grpSpPr>
             <a:xfrm>
-              <a:off x="349326" y="800208"/>
+              <a:off x="76780" y="486914"/>
               <a:ext cx="2295450" cy="759722"/>
               <a:chOff x="349326" y="783328"/>
               <a:chExt cx="2295450" cy="759722"/>
@@ -3179,7 +3184,7 @@
           </p:nvSpPr>
           <p:spPr>
             <a:xfrm>
-              <a:off x="3118291" y="359601"/>
+              <a:off x="5584349" y="266611"/>
               <a:ext cx="4042922" cy="1200329"/>
             </a:xfrm>
             <a:prstGeom prst="rect">
@@ -3253,8 +3258,8 @@
           </p:nvSpPr>
           <p:spPr>
             <a:xfrm>
-              <a:off x="660925" y="1614713"/>
-              <a:ext cx="1672253" cy="276999"/>
+              <a:off x="373956" y="1281001"/>
+              <a:ext cx="1701107" cy="276999"/>
             </a:xfrm>
             <a:prstGeom prst="rect">
               <a:avLst/>
@@ -3274,7 +3279,15 @@
                   <a:ea typeface="Linux Libertine" panose="02000503000000000000" pitchFamily="2" charset="0"/>
                   <a:cs typeface="Linux Libertine" panose="02000503000000000000" pitchFamily="2" charset="0"/>
                 </a:rPr>
-                <a:t>Simplified Log Entity</a:t>
+                <a:t>Attack in </a:t>
+              </a:r>
+              <a:r>
+                <a:rPr lang="en-US" altLang="zh-CN" sz="1200" b="1" dirty="0" err="1">
+                  <a:latin typeface="Linux Libertine" panose="02000503000000000000" pitchFamily="2" charset="0"/>
+                  <a:ea typeface="Linux Libertine" panose="02000503000000000000" pitchFamily="2" charset="0"/>
+                  <a:cs typeface="Linux Libertine" panose="02000503000000000000" pitchFamily="2" charset="0"/>
+                </a:rPr>
+                <a:t>TrainTicket</a:t>
               </a:r>
               <a:endParaRPr lang="zh-CN" altLang="en-US" sz="1200" b="1" dirty="0">
                 <a:latin typeface="Linux Libertine" panose="02000503000000000000" pitchFamily="2" charset="0"/>
@@ -3297,7 +3310,7 @@
           </p:nvSpPr>
           <p:spPr>
             <a:xfrm>
-              <a:off x="4489573" y="1614713"/>
+              <a:off x="6955632" y="1474899"/>
               <a:ext cx="1300356" cy="276999"/>
             </a:xfrm>
             <a:prstGeom prst="rect">
@@ -3341,7 +3354,7 @@
           </p:nvSpPr>
           <p:spPr>
             <a:xfrm>
-              <a:off x="7634728" y="1282931"/>
+              <a:off x="10129361" y="728276"/>
               <a:ext cx="2776097" cy="276999"/>
             </a:xfrm>
             <a:prstGeom prst="rect">
@@ -3401,7 +3414,7 @@
           </p:nvSpPr>
           <p:spPr>
             <a:xfrm>
-              <a:off x="8255579" y="1614713"/>
+              <a:off x="10750212" y="1017699"/>
               <a:ext cx="1534394" cy="276999"/>
             </a:xfrm>
             <a:prstGeom prst="rect">
@@ -3431,6 +3444,572 @@
             </a:p>
           </p:txBody>
         </p:sp>
+        <p:grpSp>
+          <p:nvGrpSpPr>
+            <p:cNvPr id="33" name="Group 32">
+              <a:extLst>
+                <a:ext uri="{FF2B5EF4-FFF2-40B4-BE49-F238E27FC236}">
+                  <a16:creationId xmlns:a16="http://schemas.microsoft.com/office/drawing/2014/main" id="{F187B4E3-DE43-B3F9-D612-F60A4C917D17}"/>
+                </a:ext>
+              </a:extLst>
+            </p:cNvPr>
+            <p:cNvGrpSpPr/>
+            <p:nvPr/>
+          </p:nvGrpSpPr>
+          <p:grpSpPr>
+            <a:xfrm>
+              <a:off x="2533650" y="-476250"/>
+              <a:ext cx="2548607" cy="2686050"/>
+              <a:chOff x="2933700" y="-476250"/>
+              <a:chExt cx="2548607" cy="2686050"/>
+            </a:xfrm>
+          </p:grpSpPr>
+          <p:grpSp>
+            <p:nvGrpSpPr>
+              <p:cNvPr id="6" name="Group 5">
+                <a:extLst>
+                  <a:ext uri="{FF2B5EF4-FFF2-40B4-BE49-F238E27FC236}">
+                    <a16:creationId xmlns:a16="http://schemas.microsoft.com/office/drawing/2014/main" id="{91C81525-8B98-D959-340E-082D0833C13E}"/>
+                  </a:ext>
+                </a:extLst>
+              </p:cNvPr>
+              <p:cNvGrpSpPr/>
+              <p:nvPr/>
+            </p:nvGrpSpPr>
+            <p:grpSpPr>
+              <a:xfrm>
+                <a:off x="3070215" y="-213959"/>
+                <a:ext cx="2295450" cy="759722"/>
+                <a:chOff x="349326" y="783328"/>
+                <a:chExt cx="2295450" cy="759722"/>
+              </a:xfrm>
+            </p:grpSpPr>
+            <p:sp>
+              <p:nvSpPr>
+                <p:cNvPr id="7" name="Rectangle: Top Corners Rounded 6">
+                  <a:extLst>
+                    <a:ext uri="{FF2B5EF4-FFF2-40B4-BE49-F238E27FC236}">
+                      <a16:creationId xmlns:a16="http://schemas.microsoft.com/office/drawing/2014/main" id="{750042AF-F275-DD73-3536-382EAAB913A2}"/>
+                    </a:ext>
+                  </a:extLst>
+                </p:cNvPr>
+                <p:cNvSpPr/>
+                <p:nvPr/>
+              </p:nvSpPr>
+              <p:spPr>
+                <a:xfrm>
+                  <a:off x="349328" y="783328"/>
+                  <a:ext cx="2295448" cy="271688"/>
+                </a:xfrm>
+                <a:prstGeom prst="round2SameRect">
+                  <a:avLst>
+                    <a:gd name="adj1" fmla="val 50000"/>
+                    <a:gd name="adj2" fmla="val 0"/>
+                  </a:avLst>
+                </a:prstGeom>
+                <a:solidFill>
+                  <a:sysClr val="windowText" lastClr="000000"/>
+                </a:solidFill>
+                <a:ln w="12700" cap="flat" cmpd="sng" algn="ctr">
+                  <a:solidFill>
+                    <a:sysClr val="windowText" lastClr="000000"/>
+                  </a:solidFill>
+                  <a:prstDash val="solid"/>
+                  <a:miter lim="800000"/>
+                </a:ln>
+                <a:effectLst/>
+              </p:spPr>
+              <p:txBody>
+                <a:bodyPr rtlCol="0" anchor="ctr"/>
+                <a:lstStyle/>
+                <a:p>
+                  <a:pPr algn="ctr">
+                    <a:defRPr/>
+                  </a:pPr>
+                  <a:r>
+                    <a:rPr lang="en-US" altLang="zh-CN" sz="1200" b="1" kern="0" dirty="0">
+                      <a:solidFill>
+                        <a:prstClr val="white"/>
+                      </a:solidFill>
+                      <a:latin typeface="Linux Libertine" panose="02000503000000000000" pitchFamily="2" charset="0"/>
+                      <a:ea typeface="Linux Libertine" panose="02000503000000000000" pitchFamily="2" charset="0"/>
+                      <a:cs typeface="Linux Libertine" panose="02000503000000000000" pitchFamily="2" charset="0"/>
+                    </a:rPr>
+                    <a:t>/</a:t>
+                  </a:r>
+                  <a:r>
+                    <a:rPr lang="en-US" altLang="zh-CN" sz="1200" b="1" kern="0" dirty="0" err="1">
+                      <a:solidFill>
+                        <a:prstClr val="white"/>
+                      </a:solidFill>
+                      <a:latin typeface="Linux Libertine" panose="02000503000000000000" pitchFamily="2" charset="0"/>
+                      <a:ea typeface="Linux Libertine" panose="02000503000000000000" pitchFamily="2" charset="0"/>
+                      <a:cs typeface="Linux Libertine" panose="02000503000000000000" pitchFamily="2" charset="0"/>
+                    </a:rPr>
+                    <a:t>api</a:t>
+                  </a:r>
+                  <a:r>
+                    <a:rPr lang="en-US" altLang="zh-CN" sz="1200" b="1" kern="0" dirty="0">
+                      <a:solidFill>
+                        <a:prstClr val="white"/>
+                      </a:solidFill>
+                      <a:latin typeface="Linux Libertine" panose="02000503000000000000" pitchFamily="2" charset="0"/>
+                      <a:ea typeface="Linux Libertine" panose="02000503000000000000" pitchFamily="2" charset="0"/>
+                      <a:cs typeface="Linux Libertine" panose="02000503000000000000" pitchFamily="2" charset="0"/>
+                    </a:rPr>
+                    <a:t>/v1/consign</a:t>
+                  </a:r>
+                </a:p>
+              </p:txBody>
+            </p:sp>
+            <p:sp>
+              <p:nvSpPr>
+                <p:cNvPr id="8" name="Rectangle 7">
+                  <a:extLst>
+                    <a:ext uri="{FF2B5EF4-FFF2-40B4-BE49-F238E27FC236}">
+                      <a16:creationId xmlns:a16="http://schemas.microsoft.com/office/drawing/2014/main" id="{D4177675-CFF2-F859-2EAE-7BFF1A3E8D6C}"/>
+                    </a:ext>
+                  </a:extLst>
+                </p:cNvPr>
+                <p:cNvSpPr/>
+                <p:nvPr/>
+              </p:nvSpPr>
+              <p:spPr>
+                <a:xfrm>
+                  <a:off x="349326" y="1055016"/>
+                  <a:ext cx="2295449" cy="488034"/>
+                </a:xfrm>
+                <a:prstGeom prst="rect">
+                  <a:avLst/>
+                </a:prstGeom>
+                <a:solidFill>
+                  <a:sysClr val="window" lastClr="FFFFFF"/>
+                </a:solidFill>
+                <a:ln w="19050" cap="flat" cmpd="sng" algn="ctr">
+                  <a:solidFill>
+                    <a:sysClr val="windowText" lastClr="000000"/>
+                  </a:solidFill>
+                  <a:prstDash val="solid"/>
+                  <a:miter lim="800000"/>
+                </a:ln>
+                <a:effectLst/>
+              </p:spPr>
+              <p:txBody>
+                <a:bodyPr rtlCol="0" anchor="ctr"/>
+                <a:lstStyle/>
+                <a:p>
+                  <a:r>
+                    <a:rPr lang="en-US" altLang="zh-CN" sz="1000" kern="0" dirty="0" err="1">
+                      <a:solidFill>
+                        <a:prstClr val="black"/>
+                      </a:solidFill>
+                      <a:latin typeface="Consolas" panose="020B0609020204030204" pitchFamily="49" charset="0"/>
+                      <a:ea typeface="等线" panose="02010600030101010101" pitchFamily="2" charset="-122"/>
+                    </a:rPr>
+                    <a:t>arguments.consign.type</a:t>
+                  </a:r>
+                  <a:r>
+                    <a:rPr lang="en-US" altLang="zh-CN" sz="1000" kern="0" dirty="0">
+                      <a:solidFill>
+                        <a:prstClr val="black"/>
+                      </a:solidFill>
+                      <a:latin typeface="Consolas" panose="020B0609020204030204" pitchFamily="49" charset="0"/>
+                      <a:ea typeface="等线" panose="02010600030101010101" pitchFamily="2" charset="-122"/>
+                    </a:rPr>
+                    <a:t>: 1</a:t>
+                  </a:r>
+                </a:p>
+              </p:txBody>
+            </p:sp>
+          </p:grpSp>
+          <p:sp>
+            <p:nvSpPr>
+              <p:cNvPr id="9" name="TextBox 8">
+                <a:extLst>
+                  <a:ext uri="{FF2B5EF4-FFF2-40B4-BE49-F238E27FC236}">
+                    <a16:creationId xmlns:a16="http://schemas.microsoft.com/office/drawing/2014/main" id="{CC02C995-894B-1A1F-AE2F-94486C3AB4CF}"/>
+                  </a:ext>
+                </a:extLst>
+              </p:cNvPr>
+              <p:cNvSpPr txBox="1"/>
+              <p:nvPr/>
+            </p:nvSpPr>
+            <p:spPr>
+              <a:xfrm>
+                <a:off x="3712037" y="600547"/>
+                <a:ext cx="1011816" cy="276999"/>
+              </a:xfrm>
+              <a:prstGeom prst="rect">
+                <a:avLst/>
+              </a:prstGeom>
+              <a:noFill/>
+            </p:spPr>
+            <p:txBody>
+              <a:bodyPr wrap="none" rtlCol="0">
+                <a:spAutoFit/>
+              </a:bodyPr>
+              <a:lstStyle/>
+              <a:p>
+                <a:pPr algn="ctr"/>
+                <a:r>
+                  <a:rPr lang="en-US" altLang="zh-CN" sz="1200" b="1" dirty="0">
+                    <a:latin typeface="Linux Libertine" panose="02000503000000000000" pitchFamily="2" charset="0"/>
+                    <a:ea typeface="Linux Libertine" panose="02000503000000000000" pitchFamily="2" charset="0"/>
+                    <a:cs typeface="Linux Libertine" panose="02000503000000000000" pitchFamily="2" charset="0"/>
+                  </a:rPr>
+                  <a:t>Normal Log</a:t>
+                </a:r>
+                <a:endParaRPr lang="zh-CN" altLang="en-US" sz="1200" b="1" dirty="0">
+                  <a:latin typeface="Linux Libertine" panose="02000503000000000000" pitchFamily="2" charset="0"/>
+                  <a:cs typeface="Linux Libertine" panose="02000503000000000000" pitchFamily="2" charset="0"/>
+                </a:endParaRPr>
+              </a:p>
+            </p:txBody>
+          </p:sp>
+          <p:grpSp>
+            <p:nvGrpSpPr>
+              <p:cNvPr id="23" name="Group 22">
+                <a:extLst>
+                  <a:ext uri="{FF2B5EF4-FFF2-40B4-BE49-F238E27FC236}">
+                    <a16:creationId xmlns:a16="http://schemas.microsoft.com/office/drawing/2014/main" id="{A0644143-CB66-868E-D831-FB1E0354DCF4}"/>
+                  </a:ext>
+                </a:extLst>
+              </p:cNvPr>
+              <p:cNvGrpSpPr/>
+              <p:nvPr/>
+            </p:nvGrpSpPr>
+            <p:grpSpPr>
+              <a:xfrm>
+                <a:off x="3070214" y="1009313"/>
+                <a:ext cx="2295450" cy="759722"/>
+                <a:chOff x="349326" y="783328"/>
+                <a:chExt cx="2295450" cy="759722"/>
+              </a:xfrm>
+            </p:grpSpPr>
+            <p:sp>
+              <p:nvSpPr>
+                <p:cNvPr id="24" name="Rectangle: Top Corners Rounded 23">
+                  <a:extLst>
+                    <a:ext uri="{FF2B5EF4-FFF2-40B4-BE49-F238E27FC236}">
+                      <a16:creationId xmlns:a16="http://schemas.microsoft.com/office/drawing/2014/main" id="{0E9F8A51-47AD-2C03-27C8-E48834DEE241}"/>
+                    </a:ext>
+                  </a:extLst>
+                </p:cNvPr>
+                <p:cNvSpPr/>
+                <p:nvPr/>
+              </p:nvSpPr>
+              <p:spPr>
+                <a:xfrm>
+                  <a:off x="349328" y="783328"/>
+                  <a:ext cx="2295448" cy="271688"/>
+                </a:xfrm>
+                <a:prstGeom prst="round2SameRect">
+                  <a:avLst>
+                    <a:gd name="adj1" fmla="val 50000"/>
+                    <a:gd name="adj2" fmla="val 0"/>
+                  </a:avLst>
+                </a:prstGeom>
+                <a:solidFill>
+                  <a:sysClr val="windowText" lastClr="000000"/>
+                </a:solidFill>
+                <a:ln w="12700" cap="flat" cmpd="sng" algn="ctr">
+                  <a:solidFill>
+                    <a:sysClr val="windowText" lastClr="000000"/>
+                  </a:solidFill>
+                  <a:prstDash val="solid"/>
+                  <a:miter lim="800000"/>
+                </a:ln>
+                <a:effectLst/>
+              </p:spPr>
+              <p:txBody>
+                <a:bodyPr rtlCol="0" anchor="ctr"/>
+                <a:lstStyle/>
+                <a:p>
+                  <a:pPr algn="ctr">
+                    <a:defRPr/>
+                  </a:pPr>
+                  <a:r>
+                    <a:rPr lang="en-US" altLang="zh-CN" sz="1200" b="1" kern="0" dirty="0">
+                      <a:solidFill>
+                        <a:prstClr val="white"/>
+                      </a:solidFill>
+                      <a:latin typeface="Linux Libertine" panose="02000503000000000000" pitchFamily="2" charset="0"/>
+                      <a:ea typeface="Linux Libertine" panose="02000503000000000000" pitchFamily="2" charset="0"/>
+                      <a:cs typeface="Linux Libertine" panose="02000503000000000000" pitchFamily="2" charset="0"/>
+                    </a:rPr>
+                    <a:t>/</a:t>
+                  </a:r>
+                  <a:r>
+                    <a:rPr lang="en-US" altLang="zh-CN" sz="1200" b="1" kern="0" dirty="0" err="1">
+                      <a:solidFill>
+                        <a:prstClr val="white"/>
+                      </a:solidFill>
+                      <a:latin typeface="Linux Libertine" panose="02000503000000000000" pitchFamily="2" charset="0"/>
+                      <a:ea typeface="Linux Libertine" panose="02000503000000000000" pitchFamily="2" charset="0"/>
+                      <a:cs typeface="Linux Libertine" panose="02000503000000000000" pitchFamily="2" charset="0"/>
+                    </a:rPr>
+                    <a:t>api</a:t>
+                  </a:r>
+                  <a:r>
+                    <a:rPr lang="en-US" altLang="zh-CN" sz="1200" b="1" kern="0" dirty="0">
+                      <a:solidFill>
+                        <a:prstClr val="white"/>
+                      </a:solidFill>
+                      <a:latin typeface="Linux Libertine" panose="02000503000000000000" pitchFamily="2" charset="0"/>
+                      <a:ea typeface="Linux Libertine" panose="02000503000000000000" pitchFamily="2" charset="0"/>
+                      <a:cs typeface="Linux Libertine" panose="02000503000000000000" pitchFamily="2" charset="0"/>
+                    </a:rPr>
+                    <a:t>/v1/consign</a:t>
+                  </a:r>
+                </a:p>
+              </p:txBody>
+            </p:sp>
+            <p:sp>
+              <p:nvSpPr>
+                <p:cNvPr id="25" name="Rectangle 24">
+                  <a:extLst>
+                    <a:ext uri="{FF2B5EF4-FFF2-40B4-BE49-F238E27FC236}">
+                      <a16:creationId xmlns:a16="http://schemas.microsoft.com/office/drawing/2014/main" id="{7032721C-F989-9C8D-8A62-898C9CF4A9FE}"/>
+                    </a:ext>
+                  </a:extLst>
+                </p:cNvPr>
+                <p:cNvSpPr/>
+                <p:nvPr/>
+              </p:nvSpPr>
+              <p:spPr>
+                <a:xfrm>
+                  <a:off x="349326" y="1055016"/>
+                  <a:ext cx="2295449" cy="488034"/>
+                </a:xfrm>
+                <a:prstGeom prst="rect">
+                  <a:avLst/>
+                </a:prstGeom>
+                <a:solidFill>
+                  <a:sysClr val="window" lastClr="FFFFFF"/>
+                </a:solidFill>
+                <a:ln w="19050" cap="flat" cmpd="sng" algn="ctr">
+                  <a:solidFill>
+                    <a:sysClr val="windowText" lastClr="000000"/>
+                  </a:solidFill>
+                  <a:prstDash val="solid"/>
+                  <a:miter lim="800000"/>
+                </a:ln>
+                <a:effectLst/>
+              </p:spPr>
+              <p:txBody>
+                <a:bodyPr rtlCol="0" anchor="ctr"/>
+                <a:lstStyle/>
+                <a:p>
+                  <a:r>
+                    <a:rPr lang="en-US" altLang="zh-CN" sz="1000" kern="0" dirty="0" err="1">
+                      <a:solidFill>
+                        <a:prstClr val="black"/>
+                      </a:solidFill>
+                      <a:latin typeface="Consolas" panose="020B0609020204030204" pitchFamily="49" charset="0"/>
+                      <a:ea typeface="等线" panose="02010600030101010101" pitchFamily="2" charset="-122"/>
+                    </a:rPr>
+                    <a:t>arguments.consign.type</a:t>
+                  </a:r>
+                  <a:r>
+                    <a:rPr lang="en-US" altLang="zh-CN" sz="1000" kern="0" dirty="0">
+                      <a:solidFill>
+                        <a:prstClr val="black"/>
+                      </a:solidFill>
+                      <a:latin typeface="Consolas" panose="020B0609020204030204" pitchFamily="49" charset="0"/>
+                      <a:ea typeface="等线" panose="02010600030101010101" pitchFamily="2" charset="-122"/>
+                    </a:rPr>
+                    <a:t>: -1</a:t>
+                  </a:r>
+                </a:p>
+              </p:txBody>
+            </p:sp>
+          </p:grpSp>
+          <p:sp>
+            <p:nvSpPr>
+              <p:cNvPr id="26" name="TextBox 25">
+                <a:extLst>
+                  <a:ext uri="{FF2B5EF4-FFF2-40B4-BE49-F238E27FC236}">
+                    <a16:creationId xmlns:a16="http://schemas.microsoft.com/office/drawing/2014/main" id="{869391E3-BB2A-7CD3-21E6-5CBBBBA95F35}"/>
+                  </a:ext>
+                </a:extLst>
+              </p:cNvPr>
+              <p:cNvSpPr txBox="1"/>
+              <p:nvPr/>
+            </p:nvSpPr>
+            <p:spPr>
+              <a:xfrm>
+                <a:off x="3514865" y="1823819"/>
+                <a:ext cx="1406154" cy="276999"/>
+              </a:xfrm>
+              <a:prstGeom prst="rect">
+                <a:avLst/>
+              </a:prstGeom>
+              <a:noFill/>
+            </p:spPr>
+            <p:txBody>
+              <a:bodyPr wrap="none" rtlCol="0">
+                <a:spAutoFit/>
+              </a:bodyPr>
+              <a:lstStyle/>
+              <a:p>
+                <a:pPr algn="ctr"/>
+                <a:r>
+                  <a:rPr lang="en-US" altLang="zh-CN" sz="1200" b="1" dirty="0">
+                    <a:latin typeface="Linux Libertine" panose="02000503000000000000" pitchFamily="2" charset="0"/>
+                    <a:ea typeface="Linux Libertine" panose="02000503000000000000" pitchFamily="2" charset="0"/>
+                    <a:cs typeface="Linux Libertine" panose="02000503000000000000" pitchFamily="2" charset="0"/>
+                  </a:rPr>
+                  <a:t>Generated Attack</a:t>
+                </a:r>
+                <a:endParaRPr lang="zh-CN" altLang="en-US" sz="1200" b="1" dirty="0">
+                  <a:latin typeface="Linux Libertine" panose="02000503000000000000" pitchFamily="2" charset="0"/>
+                  <a:cs typeface="Linux Libertine" panose="02000503000000000000" pitchFamily="2" charset="0"/>
+                </a:endParaRPr>
+              </a:p>
+            </p:txBody>
+          </p:sp>
+          <p:sp>
+            <p:nvSpPr>
+              <p:cNvPr id="27" name="Rectangle 26">
+                <a:extLst>
+                  <a:ext uri="{FF2B5EF4-FFF2-40B4-BE49-F238E27FC236}">
+                    <a16:creationId xmlns:a16="http://schemas.microsoft.com/office/drawing/2014/main" id="{58427479-7AA1-B10F-6017-3C53BCAC8839}"/>
+                  </a:ext>
+                </a:extLst>
+              </p:cNvPr>
+              <p:cNvSpPr/>
+              <p:nvPr/>
+            </p:nvSpPr>
+            <p:spPr>
+              <a:xfrm>
+                <a:off x="2933700" y="-476250"/>
+                <a:ext cx="2548607" cy="2686050"/>
+              </a:xfrm>
+              <a:prstGeom prst="rect">
+                <a:avLst/>
+              </a:prstGeom>
+              <a:noFill/>
+              <a:ln w="12700">
+                <a:solidFill>
+                  <a:schemeClr val="tx1"/>
+                </a:solidFill>
+                <a:prstDash val="sysDash"/>
+              </a:ln>
+            </p:spPr>
+            <p:style>
+              <a:lnRef idx="2">
+                <a:schemeClr val="accent1">
+                  <a:shade val="15000"/>
+                </a:schemeClr>
+              </a:lnRef>
+              <a:fillRef idx="1">
+                <a:schemeClr val="accent1"/>
+              </a:fillRef>
+              <a:effectRef idx="0">
+                <a:schemeClr val="accent1"/>
+              </a:effectRef>
+              <a:fontRef idx="minor">
+                <a:schemeClr val="lt1"/>
+              </a:fontRef>
+            </p:style>
+            <p:txBody>
+              <a:bodyPr rtlCol="0" anchor="ctr"/>
+              <a:lstStyle/>
+              <a:p>
+                <a:pPr algn="ctr"/>
+                <a:endParaRPr lang="zh-CN" altLang="en-US"/>
+              </a:p>
+            </p:txBody>
+          </p:sp>
+        </p:grpSp>
+        <p:cxnSp>
+          <p:nvCxnSpPr>
+            <p:cNvPr id="30" name="Straight Arrow Connector 29">
+              <a:extLst>
+                <a:ext uri="{FF2B5EF4-FFF2-40B4-BE49-F238E27FC236}">
+                  <a16:creationId xmlns:a16="http://schemas.microsoft.com/office/drawing/2014/main" id="{C86874B8-5EEA-403D-DD0F-F851B973DD0A}"/>
+                </a:ext>
+              </a:extLst>
+            </p:cNvPr>
+            <p:cNvCxnSpPr>
+              <a:cxnSpLocks/>
+            </p:cNvCxnSpPr>
+            <p:nvPr/>
+          </p:nvCxnSpPr>
+          <p:spPr>
+            <a:xfrm>
+              <a:off x="5182132" y="866775"/>
+              <a:ext cx="302342" cy="0"/>
+            </a:xfrm>
+            <a:prstGeom prst="straightConnector1">
+              <a:avLst/>
+            </a:prstGeom>
+            <a:ln>
+              <a:solidFill>
+                <a:schemeClr val="tx1"/>
+              </a:solidFill>
+              <a:tailEnd type="triangle"/>
+            </a:ln>
+          </p:spPr>
+          <p:style>
+            <a:lnRef idx="2">
+              <a:schemeClr val="accent1"/>
+            </a:lnRef>
+            <a:fillRef idx="0">
+              <a:schemeClr val="accent1"/>
+            </a:fillRef>
+            <a:effectRef idx="1">
+              <a:schemeClr val="accent1"/>
+            </a:effectRef>
+            <a:fontRef idx="minor">
+              <a:schemeClr val="tx1"/>
+            </a:fontRef>
+          </p:style>
+        </p:cxnSp>
+        <p:cxnSp>
+          <p:nvCxnSpPr>
+            <p:cNvPr id="32" name="Straight Arrow Connector 31">
+              <a:extLst>
+                <a:ext uri="{FF2B5EF4-FFF2-40B4-BE49-F238E27FC236}">
+                  <a16:creationId xmlns:a16="http://schemas.microsoft.com/office/drawing/2014/main" id="{59268F95-E8D3-E6BC-3CE8-3D77FBF53A7B}"/>
+                </a:ext>
+              </a:extLst>
+            </p:cNvPr>
+            <p:cNvCxnSpPr>
+              <a:cxnSpLocks/>
+            </p:cNvCxnSpPr>
+            <p:nvPr/>
+          </p:nvCxnSpPr>
+          <p:spPr>
+            <a:xfrm>
+              <a:off x="9727146" y="866775"/>
+              <a:ext cx="302342" cy="0"/>
+            </a:xfrm>
+            <a:prstGeom prst="straightConnector1">
+              <a:avLst/>
+            </a:prstGeom>
+            <a:ln>
+              <a:solidFill>
+                <a:schemeClr val="tx1"/>
+              </a:solidFill>
+              <a:tailEnd type="triangle"/>
+            </a:ln>
+          </p:spPr>
+          <p:style>
+            <a:lnRef idx="2">
+              <a:schemeClr val="accent1"/>
+            </a:lnRef>
+            <a:fillRef idx="0">
+              <a:schemeClr val="accent1"/>
+            </a:fillRef>
+            <a:effectRef idx="1">
+              <a:schemeClr val="accent1"/>
+            </a:effectRef>
+            <a:fontRef idx="minor">
+              <a:schemeClr val="tx1"/>
+            </a:fontRef>
+          </p:style>
+        </p:cxnSp>
       </p:grpSp>
     </p:spTree>
     <p:extLst>
